--- a/Python interview question review.pptx
+++ b/Python interview question review.pptx
@@ -5,48 +5,48 @@
     <p:sldMasterId id="2147483648" r:id="rId1"/>
   </p:sldMasterIdLst>
   <p:notesMasterIdLst>
-    <p:notesMasterId r:id="rId42"/>
+    <p:notesMasterId r:id="rId5"/>
   </p:notesMasterIdLst>
   <p:sldIdLst>
     <p:sldId id="265" r:id="rId3"/>
     <p:sldId id="271" r:id="rId4"/>
-    <p:sldId id="273" r:id="rId5"/>
-    <p:sldId id="267" r:id="rId6"/>
-    <p:sldId id="268" r:id="rId7"/>
-    <p:sldId id="269" r:id="rId8"/>
-    <p:sldId id="270" r:id="rId9"/>
-    <p:sldId id="275" r:id="rId10"/>
-    <p:sldId id="272" r:id="rId11"/>
-    <p:sldId id="277" r:id="rId12"/>
-    <p:sldId id="278" r:id="rId13"/>
-    <p:sldId id="276" r:id="rId14"/>
-    <p:sldId id="274" r:id="rId15"/>
-    <p:sldId id="280" r:id="rId16"/>
-    <p:sldId id="306" r:id="rId17"/>
-    <p:sldId id="281" r:id="rId18"/>
-    <p:sldId id="303" r:id="rId19"/>
-    <p:sldId id="304" r:id="rId20"/>
-    <p:sldId id="305" r:id="rId21"/>
-    <p:sldId id="291" r:id="rId22"/>
-    <p:sldId id="292" r:id="rId23"/>
-    <p:sldId id="283" r:id="rId24"/>
-    <p:sldId id="282" r:id="rId25"/>
-    <p:sldId id="293" r:id="rId26"/>
-    <p:sldId id="294" r:id="rId27"/>
-    <p:sldId id="295" r:id="rId28"/>
-    <p:sldId id="296" r:id="rId29"/>
-    <p:sldId id="297" r:id="rId30"/>
-    <p:sldId id="284" r:id="rId31"/>
-    <p:sldId id="307" r:id="rId32"/>
-    <p:sldId id="308" r:id="rId33"/>
-    <p:sldId id="309" r:id="rId34"/>
-    <p:sldId id="312" r:id="rId35"/>
-    <p:sldId id="310" r:id="rId36"/>
-    <p:sldId id="311" r:id="rId37"/>
-    <p:sldId id="329" r:id="rId38"/>
-    <p:sldId id="330" r:id="rId39"/>
-    <p:sldId id="279" r:id="rId40"/>
-    <p:sldId id="266" r:id="rId41"/>
+    <p:sldId id="273" r:id="rId6"/>
+    <p:sldId id="267" r:id="rId7"/>
+    <p:sldId id="268" r:id="rId8"/>
+    <p:sldId id="269" r:id="rId9"/>
+    <p:sldId id="270" r:id="rId10"/>
+    <p:sldId id="275" r:id="rId11"/>
+    <p:sldId id="272" r:id="rId12"/>
+    <p:sldId id="277" r:id="rId13"/>
+    <p:sldId id="278" r:id="rId14"/>
+    <p:sldId id="276" r:id="rId15"/>
+    <p:sldId id="274" r:id="rId16"/>
+    <p:sldId id="280" r:id="rId17"/>
+    <p:sldId id="306" r:id="rId18"/>
+    <p:sldId id="281" r:id="rId19"/>
+    <p:sldId id="303" r:id="rId20"/>
+    <p:sldId id="304" r:id="rId21"/>
+    <p:sldId id="305" r:id="rId22"/>
+    <p:sldId id="291" r:id="rId23"/>
+    <p:sldId id="292" r:id="rId24"/>
+    <p:sldId id="283" r:id="rId25"/>
+    <p:sldId id="282" r:id="rId26"/>
+    <p:sldId id="293" r:id="rId27"/>
+    <p:sldId id="294" r:id="rId28"/>
+    <p:sldId id="295" r:id="rId29"/>
+    <p:sldId id="296" r:id="rId30"/>
+    <p:sldId id="297" r:id="rId31"/>
+    <p:sldId id="284" r:id="rId32"/>
+    <p:sldId id="307" r:id="rId33"/>
+    <p:sldId id="308" r:id="rId34"/>
+    <p:sldId id="309" r:id="rId35"/>
+    <p:sldId id="312" r:id="rId36"/>
+    <p:sldId id="310" r:id="rId37"/>
+    <p:sldId id="311" r:id="rId38"/>
+    <p:sldId id="329" r:id="rId39"/>
+    <p:sldId id="330" r:id="rId40"/>
+    <p:sldId id="279" r:id="rId41"/>
+    <p:sldId id="266" r:id="rId42"/>
   </p:sldIdLst>
   <p:sldSz cx="3200400" cy="1828800"/>
   <p:notesSz cx="6858000" cy="9144000"/>
@@ -493,6 +493,582 @@
     </a:lvl9pPr>
   </p:notesStyle>
 </p:notesMaster>
+</file>
+
+<file path=ppt/notesSlides/notesSlide1.xml><?xml version="1.0" encoding="utf-8"?>
+<p:notes xmlns:a="http://schemas.openxmlformats.org/drawingml/2006/main" xmlns:r="http://schemas.openxmlformats.org/officeDocument/2006/relationships" xmlns:p="http://schemas.openxmlformats.org/presentationml/2006/main">
+  <p:cSld>
+    <p:spTree>
+      <p:nvGrpSpPr>
+        <p:cNvPr id="1" name=""/>
+        <p:cNvGrpSpPr/>
+        <p:nvPr/>
+      </p:nvGrpSpPr>
+      <p:grpSpPr/>
+      <p:sp>
+        <p:nvSpPr>
+          <p:cNvPr id="2" name="Slide Image Placeholder 1"/>
+          <p:cNvSpPr/>
+          <p:nvPr>
+            <p:ph type="sldImg" idx="2"/>
+          </p:nvPr>
+        </p:nvSpPr>
+        <p:spPr/>
+      </p:sp>
+      <p:sp>
+        <p:nvSpPr>
+          <p:cNvPr id="3" name="Text Placeholder 2"/>
+          <p:cNvSpPr/>
+          <p:nvPr>
+            <p:ph type="body" idx="3"/>
+          </p:nvPr>
+        </p:nvSpPr>
+        <p:spPr/>
+        <p:txBody>
+          <a:bodyPr/>
+          <a:p>
+            <a:r>
+              <a:rPr lang="en-SG" altLang="en-US"/>
+              <a:t>5 min self introduction, 2-3 min check the class audience on their background, and career planning</a:t>
+            </a:r>
+            <a:endParaRPr lang="en-SG" altLang="en-US"/>
+          </a:p>
+        </p:txBody>
+      </p:sp>
+    </p:spTree>
+  </p:cSld>
+  <p:clrMapOvr>
+    <a:masterClrMapping/>
+  </p:clrMapOvr>
+</p:notes>
+</file>
+
+<file path=ppt/notesSlides/notesSlide10.xml><?xml version="1.0" encoding="utf-8"?>
+<p:notes xmlns:a="http://schemas.openxmlformats.org/drawingml/2006/main" xmlns:r="http://schemas.openxmlformats.org/officeDocument/2006/relationships" xmlns:p="http://schemas.openxmlformats.org/presentationml/2006/main">
+  <p:cSld>
+    <p:spTree>
+      <p:nvGrpSpPr>
+        <p:cNvPr id="1" name=""/>
+        <p:cNvGrpSpPr/>
+        <p:nvPr/>
+      </p:nvGrpSpPr>
+      <p:grpSpPr/>
+      <p:sp>
+        <p:nvSpPr>
+          <p:cNvPr id="2" name="Slide Image Placeholder 1"/>
+          <p:cNvSpPr/>
+          <p:nvPr>
+            <p:ph type="sldImg" idx="2"/>
+          </p:nvPr>
+        </p:nvSpPr>
+        <p:spPr/>
+      </p:sp>
+      <p:sp>
+        <p:nvSpPr>
+          <p:cNvPr id="3" name="Text Placeholder 2"/>
+          <p:cNvSpPr/>
+          <p:nvPr>
+            <p:ph type="body" idx="3"/>
+          </p:nvPr>
+        </p:nvSpPr>
+        <p:spPr/>
+        <p:txBody>
+          <a:bodyPr/>
+          <a:p>
+            <a:r>
+              <a:rPr lang="en-SG" altLang="en-US"/>
+              <a:t>code example</a:t>
+            </a:r>
+            <a:endParaRPr lang="en-SG" altLang="en-US"/>
+          </a:p>
+        </p:txBody>
+      </p:sp>
+    </p:spTree>
+  </p:cSld>
+  <p:clrMapOvr>
+    <a:masterClrMapping/>
+  </p:clrMapOvr>
+</p:notes>
+</file>
+
+<file path=ppt/notesSlides/notesSlide11.xml><?xml version="1.0" encoding="utf-8"?>
+<p:notes xmlns:a="http://schemas.openxmlformats.org/drawingml/2006/main" xmlns:r="http://schemas.openxmlformats.org/officeDocument/2006/relationships" xmlns:p="http://schemas.openxmlformats.org/presentationml/2006/main">
+  <p:cSld>
+    <p:spTree>
+      <p:nvGrpSpPr>
+        <p:cNvPr id="1" name=""/>
+        <p:cNvGrpSpPr/>
+        <p:nvPr/>
+      </p:nvGrpSpPr>
+      <p:grpSpPr/>
+      <p:sp>
+        <p:nvSpPr>
+          <p:cNvPr id="2" name="Slide Image Placeholder 1"/>
+          <p:cNvSpPr/>
+          <p:nvPr>
+            <p:ph type="sldImg" idx="2"/>
+          </p:nvPr>
+        </p:nvSpPr>
+        <p:spPr/>
+      </p:sp>
+      <p:sp>
+        <p:nvSpPr>
+          <p:cNvPr id="3" name="Text Placeholder 2"/>
+          <p:cNvSpPr/>
+          <p:nvPr>
+            <p:ph type="body" idx="3"/>
+          </p:nvPr>
+        </p:nvSpPr>
+        <p:spPr/>
+        <p:txBody>
+          <a:bodyPr/>
+          <a:p>
+            <a:r>
+              <a:rPr lang="en-SG" altLang="en-US"/>
+              <a:t>code example</a:t>
+            </a:r>
+            <a:endParaRPr lang="en-SG" altLang="en-US"/>
+          </a:p>
+        </p:txBody>
+      </p:sp>
+    </p:spTree>
+  </p:cSld>
+  <p:clrMapOvr>
+    <a:masterClrMapping/>
+  </p:clrMapOvr>
+</p:notes>
+</file>
+
+<file path=ppt/notesSlides/notesSlide12.xml><?xml version="1.0" encoding="utf-8"?>
+<p:notes xmlns:a="http://schemas.openxmlformats.org/drawingml/2006/main" xmlns:r="http://schemas.openxmlformats.org/officeDocument/2006/relationships" xmlns:p="http://schemas.openxmlformats.org/presentationml/2006/main">
+  <p:cSld>
+    <p:spTree>
+      <p:nvGrpSpPr>
+        <p:cNvPr id="1" name=""/>
+        <p:cNvGrpSpPr/>
+        <p:nvPr/>
+      </p:nvGrpSpPr>
+      <p:grpSpPr/>
+      <p:sp>
+        <p:nvSpPr>
+          <p:cNvPr id="2" name="Slide Image Placeholder 1"/>
+          <p:cNvSpPr/>
+          <p:nvPr>
+            <p:ph type="sldImg" idx="2"/>
+          </p:nvPr>
+        </p:nvSpPr>
+        <p:spPr/>
+      </p:sp>
+      <p:sp>
+        <p:nvSpPr>
+          <p:cNvPr id="3" name="Text Placeholder 2"/>
+          <p:cNvSpPr/>
+          <p:nvPr>
+            <p:ph type="body" idx="3"/>
+          </p:nvPr>
+        </p:nvSpPr>
+        <p:spPr/>
+        <p:txBody>
+          <a:bodyPr/>
+          <a:p>
+            <a:r>
+              <a:rPr lang="en-SG" altLang="en-US"/>
+              <a:t>code example</a:t>
+            </a:r>
+            <a:endParaRPr lang="en-SG" altLang="en-US"/>
+          </a:p>
+        </p:txBody>
+      </p:sp>
+    </p:spTree>
+  </p:cSld>
+  <p:clrMapOvr>
+    <a:masterClrMapping/>
+  </p:clrMapOvr>
+</p:notes>
+</file>
+
+<file path=ppt/notesSlides/notesSlide2.xml><?xml version="1.0" encoding="utf-8"?>
+<p:notes xmlns:a="http://schemas.openxmlformats.org/drawingml/2006/main" xmlns:r="http://schemas.openxmlformats.org/officeDocument/2006/relationships" xmlns:p="http://schemas.openxmlformats.org/presentationml/2006/main">
+  <p:cSld>
+    <p:spTree>
+      <p:nvGrpSpPr>
+        <p:cNvPr id="1" name=""/>
+        <p:cNvGrpSpPr/>
+        <p:nvPr/>
+      </p:nvGrpSpPr>
+      <p:grpSpPr/>
+      <p:sp>
+        <p:nvSpPr>
+          <p:cNvPr id="2" name="Slide Image Placeholder 1"/>
+          <p:cNvSpPr/>
+          <p:nvPr>
+            <p:ph type="sldImg" idx="2"/>
+          </p:nvPr>
+        </p:nvSpPr>
+        <p:spPr/>
+      </p:sp>
+      <p:sp>
+        <p:nvSpPr>
+          <p:cNvPr id="3" name="Text Placeholder 2"/>
+          <p:cNvSpPr/>
+          <p:nvPr>
+            <p:ph type="body" idx="3"/>
+          </p:nvPr>
+        </p:nvSpPr>
+        <p:spPr/>
+        <p:txBody>
+          <a:bodyPr/>
+          <a:p>
+            <a:r>
+              <a:rPr lang="en-SG" altLang="en-US"/>
+              <a:t>The strucutre of this session: 30 min to review some basic concpet of python and in general programing, take a 10 min break; 1 hour we talk about some real example of pyton interview quesiton, or some issue as begininer might face when using python; another 1h free Q&amp;A session to understand their concern, quetions, thinking in terms of job career related </a:t>
+            </a:r>
+            <a:endParaRPr lang="en-SG" altLang="en-US"/>
+          </a:p>
+        </p:txBody>
+      </p:sp>
+    </p:spTree>
+  </p:cSld>
+  <p:clrMapOvr>
+    <a:masterClrMapping/>
+  </p:clrMapOvr>
+</p:notes>
+</file>
+
+<file path=ppt/notesSlides/notesSlide3.xml><?xml version="1.0" encoding="utf-8"?>
+<p:notes xmlns:a="http://schemas.openxmlformats.org/drawingml/2006/main" xmlns:r="http://schemas.openxmlformats.org/officeDocument/2006/relationships" xmlns:p="http://schemas.openxmlformats.org/presentationml/2006/main">
+  <p:cSld>
+    <p:spTree>
+      <p:nvGrpSpPr>
+        <p:cNvPr id="1" name=""/>
+        <p:cNvGrpSpPr/>
+        <p:nvPr/>
+      </p:nvGrpSpPr>
+      <p:grpSpPr/>
+      <p:sp>
+        <p:nvSpPr>
+          <p:cNvPr id="2" name="Slide Image Placeholder 1"/>
+          <p:cNvSpPr/>
+          <p:nvPr>
+            <p:ph type="sldImg" idx="2"/>
+          </p:nvPr>
+        </p:nvSpPr>
+        <p:spPr/>
+      </p:sp>
+      <p:sp>
+        <p:nvSpPr>
+          <p:cNvPr id="3" name="Text Placeholder 2"/>
+          <p:cNvSpPr/>
+          <p:nvPr>
+            <p:ph type="body" idx="3"/>
+          </p:nvPr>
+        </p:nvSpPr>
+        <p:spPr/>
+        <p:txBody>
+          <a:bodyPr/>
+          <a:p>
+            <a:r>
+              <a:rPr lang="en-SG" altLang="en-US"/>
+              <a:t>5 min</a:t>
+            </a:r>
+            <a:endParaRPr lang="en-SG" altLang="en-US"/>
+          </a:p>
+        </p:txBody>
+      </p:sp>
+    </p:spTree>
+  </p:cSld>
+  <p:clrMapOvr>
+    <a:masterClrMapping/>
+  </p:clrMapOvr>
+</p:notes>
+</file>
+
+<file path=ppt/notesSlides/notesSlide4.xml><?xml version="1.0" encoding="utf-8"?>
+<p:notes xmlns:a="http://schemas.openxmlformats.org/drawingml/2006/main" xmlns:r="http://schemas.openxmlformats.org/officeDocument/2006/relationships" xmlns:p="http://schemas.openxmlformats.org/presentationml/2006/main">
+  <p:cSld>
+    <p:spTree>
+      <p:nvGrpSpPr>
+        <p:cNvPr id="1" name=""/>
+        <p:cNvGrpSpPr/>
+        <p:nvPr/>
+      </p:nvGrpSpPr>
+      <p:grpSpPr/>
+      <p:sp>
+        <p:nvSpPr>
+          <p:cNvPr id="2" name="Slide Image Placeholder 1"/>
+          <p:cNvSpPr/>
+          <p:nvPr>
+            <p:ph type="sldImg" idx="2"/>
+          </p:nvPr>
+        </p:nvSpPr>
+        <p:spPr/>
+      </p:sp>
+      <p:sp>
+        <p:nvSpPr>
+          <p:cNvPr id="3" name="Text Placeholder 2"/>
+          <p:cNvSpPr/>
+          <p:nvPr>
+            <p:ph type="body" idx="3"/>
+          </p:nvPr>
+        </p:nvSpPr>
+        <p:spPr/>
+        <p:txBody>
+          <a:bodyPr/>
+          <a:p>
+            <a:r>
+              <a:rPr lang="en-SG" altLang="en-US"/>
+              <a:t>5min</a:t>
+            </a:r>
+            <a:endParaRPr lang="en-SG" altLang="en-US"/>
+          </a:p>
+        </p:txBody>
+      </p:sp>
+    </p:spTree>
+  </p:cSld>
+  <p:clrMapOvr>
+    <a:masterClrMapping/>
+  </p:clrMapOvr>
+</p:notes>
+</file>
+
+<file path=ppt/notesSlides/notesSlide5.xml><?xml version="1.0" encoding="utf-8"?>
+<p:notes xmlns:a="http://schemas.openxmlformats.org/drawingml/2006/main" xmlns:r="http://schemas.openxmlformats.org/officeDocument/2006/relationships" xmlns:p="http://schemas.openxmlformats.org/presentationml/2006/main">
+  <p:cSld>
+    <p:spTree>
+      <p:nvGrpSpPr>
+        <p:cNvPr id="1" name=""/>
+        <p:cNvGrpSpPr/>
+        <p:nvPr/>
+      </p:nvGrpSpPr>
+      <p:grpSpPr/>
+      <p:sp>
+        <p:nvSpPr>
+          <p:cNvPr id="2" name="Slide Image Placeholder 1"/>
+          <p:cNvSpPr/>
+          <p:nvPr>
+            <p:ph type="sldImg" idx="2"/>
+          </p:nvPr>
+        </p:nvSpPr>
+        <p:spPr/>
+      </p:sp>
+      <p:sp>
+        <p:nvSpPr>
+          <p:cNvPr id="3" name="Text Placeholder 2"/>
+          <p:cNvSpPr/>
+          <p:nvPr>
+            <p:ph type="body" idx="3"/>
+          </p:nvPr>
+        </p:nvSpPr>
+        <p:spPr/>
+        <p:txBody>
+          <a:bodyPr/>
+          <a:p>
+            <a:r>
+              <a:rPr lang="en-SG" altLang="en-US"/>
+              <a:t>take a pause check if anyone is using python for data science study </a:t>
+            </a:r>
+            <a:endParaRPr lang="en-SG" altLang="en-US"/>
+          </a:p>
+        </p:txBody>
+      </p:sp>
+    </p:spTree>
+  </p:cSld>
+  <p:clrMapOvr>
+    <a:masterClrMapping/>
+  </p:clrMapOvr>
+</p:notes>
+</file>
+
+<file path=ppt/notesSlides/notesSlide6.xml><?xml version="1.0" encoding="utf-8"?>
+<p:notes xmlns:a="http://schemas.openxmlformats.org/drawingml/2006/main" xmlns:r="http://schemas.openxmlformats.org/officeDocument/2006/relationships" xmlns:p="http://schemas.openxmlformats.org/presentationml/2006/main">
+  <p:cSld>
+    <p:spTree>
+      <p:nvGrpSpPr>
+        <p:cNvPr id="1" name=""/>
+        <p:cNvGrpSpPr/>
+        <p:nvPr/>
+      </p:nvGrpSpPr>
+      <p:grpSpPr/>
+      <p:sp>
+        <p:nvSpPr>
+          <p:cNvPr id="2" name="Slide Image Placeholder 1"/>
+          <p:cNvSpPr/>
+          <p:nvPr>
+            <p:ph type="sldImg" idx="2"/>
+          </p:nvPr>
+        </p:nvSpPr>
+        <p:spPr/>
+      </p:sp>
+      <p:sp>
+        <p:nvSpPr>
+          <p:cNvPr id="3" name="Text Placeholder 2"/>
+          <p:cNvSpPr/>
+          <p:nvPr>
+            <p:ph type="body" idx="3"/>
+          </p:nvPr>
+        </p:nvSpPr>
+        <p:spPr/>
+        <p:txBody>
+          <a:bodyPr/>
+          <a:p>
+            <a:r>
+              <a:rPr lang="en-SG" altLang="en-US"/>
+              <a:t>the language is still evolving</a:t>
+            </a:r>
+            <a:endParaRPr lang="en-SG" altLang="en-US"/>
+          </a:p>
+        </p:txBody>
+      </p:sp>
+    </p:spTree>
+  </p:cSld>
+  <p:clrMapOvr>
+    <a:masterClrMapping/>
+  </p:clrMapOvr>
+</p:notes>
+</file>
+
+<file path=ppt/notesSlides/notesSlide7.xml><?xml version="1.0" encoding="utf-8"?>
+<p:notes xmlns:a="http://schemas.openxmlformats.org/drawingml/2006/main" xmlns:r="http://schemas.openxmlformats.org/officeDocument/2006/relationships" xmlns:p="http://schemas.openxmlformats.org/presentationml/2006/main">
+  <p:cSld>
+    <p:spTree>
+      <p:nvGrpSpPr>
+        <p:cNvPr id="1" name=""/>
+        <p:cNvGrpSpPr/>
+        <p:nvPr/>
+      </p:nvGrpSpPr>
+      <p:grpSpPr/>
+      <p:sp>
+        <p:nvSpPr>
+          <p:cNvPr id="2" name="Slide Image Placeholder 1"/>
+          <p:cNvSpPr/>
+          <p:nvPr>
+            <p:ph type="sldImg" idx="2"/>
+          </p:nvPr>
+        </p:nvSpPr>
+        <p:spPr/>
+      </p:sp>
+      <p:sp>
+        <p:nvSpPr>
+          <p:cNvPr id="3" name="Text Placeholder 2"/>
+          <p:cNvSpPr/>
+          <p:nvPr>
+            <p:ph type="body" idx="3"/>
+          </p:nvPr>
+        </p:nvSpPr>
+        <p:spPr/>
+        <p:txBody>
+          <a:bodyPr/>
+          <a:p>
+            <a:r>
+              <a:rPr lang="en-SG" altLang="en-US"/>
+              <a:t>think about the operation comptuer need to access an item in array vs list</a:t>
+            </a:r>
+            <a:endParaRPr lang="en-SG" altLang="en-US"/>
+          </a:p>
+        </p:txBody>
+      </p:sp>
+    </p:spTree>
+  </p:cSld>
+  <p:clrMapOvr>
+    <a:masterClrMapping/>
+  </p:clrMapOvr>
+</p:notes>
+</file>
+
+<file path=ppt/notesSlides/notesSlide8.xml><?xml version="1.0" encoding="utf-8"?>
+<p:notes xmlns:a="http://schemas.openxmlformats.org/drawingml/2006/main" xmlns:r="http://schemas.openxmlformats.org/officeDocument/2006/relationships" xmlns:p="http://schemas.openxmlformats.org/presentationml/2006/main">
+  <p:cSld>
+    <p:spTree>
+      <p:nvGrpSpPr>
+        <p:cNvPr id="1" name=""/>
+        <p:cNvGrpSpPr/>
+        <p:nvPr/>
+      </p:nvGrpSpPr>
+      <p:grpSpPr/>
+      <p:sp>
+        <p:nvSpPr>
+          <p:cNvPr id="2" name="Slide Image Placeholder 1"/>
+          <p:cNvSpPr/>
+          <p:nvPr>
+            <p:ph type="sldImg" idx="2"/>
+          </p:nvPr>
+        </p:nvSpPr>
+        <p:spPr/>
+      </p:sp>
+      <p:sp>
+        <p:nvSpPr>
+          <p:cNvPr id="3" name="Text Placeholder 2"/>
+          <p:cNvSpPr/>
+          <p:nvPr>
+            <p:ph type="body" idx="3"/>
+          </p:nvPr>
+        </p:nvSpPr>
+        <p:spPr/>
+        <p:txBody>
+          <a:bodyPr/>
+          <a:p>
+            <a:r>
+              <a:rPr lang="en-SG" altLang="en-US"/>
+              <a:t>code example 5min - 10min</a:t>
+            </a:r>
+            <a:endParaRPr lang="en-SG" altLang="en-US"/>
+          </a:p>
+        </p:txBody>
+      </p:sp>
+    </p:spTree>
+  </p:cSld>
+  <p:clrMapOvr>
+    <a:masterClrMapping/>
+  </p:clrMapOvr>
+</p:notes>
+</file>
+
+<file path=ppt/notesSlides/notesSlide9.xml><?xml version="1.0" encoding="utf-8"?>
+<p:notes xmlns:a="http://schemas.openxmlformats.org/drawingml/2006/main" xmlns:r="http://schemas.openxmlformats.org/officeDocument/2006/relationships" xmlns:p="http://schemas.openxmlformats.org/presentationml/2006/main">
+  <p:cSld>
+    <p:spTree>
+      <p:nvGrpSpPr>
+        <p:cNvPr id="1" name=""/>
+        <p:cNvGrpSpPr/>
+        <p:nvPr/>
+      </p:nvGrpSpPr>
+      <p:grpSpPr/>
+      <p:sp>
+        <p:nvSpPr>
+          <p:cNvPr id="2" name="Slide Image Placeholder 1"/>
+          <p:cNvSpPr/>
+          <p:nvPr>
+            <p:ph type="sldImg" idx="2"/>
+          </p:nvPr>
+        </p:nvSpPr>
+        <p:spPr/>
+      </p:sp>
+      <p:sp>
+        <p:nvSpPr>
+          <p:cNvPr id="3" name="Text Placeholder 2"/>
+          <p:cNvSpPr/>
+          <p:nvPr>
+            <p:ph type="body" idx="3"/>
+          </p:nvPr>
+        </p:nvSpPr>
+        <p:spPr/>
+        <p:txBody>
+          <a:bodyPr/>
+          <a:p>
+            <a:r>
+              <a:rPr lang="en-SG" altLang="en-US"/>
+              <a:t>example code 5min - 10min</a:t>
+            </a:r>
+            <a:endParaRPr lang="en-SG" altLang="en-US"/>
+          </a:p>
+        </p:txBody>
+      </p:sp>
+    </p:spTree>
+  </p:cSld>
+  <p:clrMapOvr>
+    <a:masterClrMapping/>
+  </p:clrMapOvr>
+</p:notes>
 </file>
 
 <file path=ppt/slideLayouts/slideLayout1.xml><?xml version="1.0" encoding="utf-8"?>
